--- a/ppt 16-9/0266.主快来.pptx
+++ b/ppt 16-9/0266.主快来.pptx
@@ -5,7 +5,7 @@
     <p:sldMasterId id="2147483648" r:id="rId1"/>
   </p:sldMasterIdLst>
   <p:sldIdLst>
-    <p:sldId id="3120" r:id="rId2"/>
+    <p:sldId id="3122" r:id="rId2"/>
   </p:sldIdLst>
   <p:sldSz cx="12192000" cy="6858000"/>
   <p:notesSz cx="6858000" cy="9144000"/>
@@ -129,7 +129,7 @@
           <p:cNvPr id="2" name="标题 1">
             <a:extLst>
               <a:ext uri="{FF2B5EF4-FFF2-40B4-BE49-F238E27FC236}">
-                <a16:creationId xmlns:a16="http://schemas.microsoft.com/office/drawing/2014/main" id="{61C54BBF-C3D3-0B7E-0A6F-F9858AC4EC16}"/>
+                <a16:creationId xmlns:a16="http://schemas.microsoft.com/office/drawing/2014/main" id="{932BC7CF-8A6B-7F29-0125-3E9EA03FBA34}"/>
               </a:ext>
             </a:extLst>
           </p:cNvPr>
@@ -166,7 +166,7 @@
           <p:cNvPr id="3" name="副标题 2">
             <a:extLst>
               <a:ext uri="{FF2B5EF4-FFF2-40B4-BE49-F238E27FC236}">
-                <a16:creationId xmlns:a16="http://schemas.microsoft.com/office/drawing/2014/main" id="{D8AEB901-E879-7764-8DAB-74BAFEB32EF3}"/>
+                <a16:creationId xmlns:a16="http://schemas.microsoft.com/office/drawing/2014/main" id="{4DAC93B0-2874-69D4-2825-ADF95C5E17BE}"/>
               </a:ext>
             </a:extLst>
           </p:cNvPr>
@@ -236,7 +236,7 @@
           <p:cNvPr id="4" name="日期占位符 3">
             <a:extLst>
               <a:ext uri="{FF2B5EF4-FFF2-40B4-BE49-F238E27FC236}">
-                <a16:creationId xmlns:a16="http://schemas.microsoft.com/office/drawing/2014/main" id="{A7ED1D29-177B-72D6-9155-27FDD2700433}"/>
+                <a16:creationId xmlns:a16="http://schemas.microsoft.com/office/drawing/2014/main" id="{0F2415C7-7ACD-5003-5476-F726F9F4B3BD}"/>
               </a:ext>
             </a:extLst>
           </p:cNvPr>
@@ -252,7 +252,7 @@
           <a:bodyPr/>
           <a:lstStyle/>
           <a:p>
-            <a:fld id="{4FE8D249-7D3E-4ED5-9C15-B64D6040AA4D}" type="datetimeFigureOut">
+            <a:fld id="{F7A42F9B-BCCE-44A5-BF1C-17D3E5FB22AA}" type="datetimeFigureOut">
               <a:rPr lang="zh-CN" altLang="en-US" smtClean="0"/>
               <a:t>2024/3/10</a:t>
             </a:fld>
@@ -265,7 +265,7 @@
           <p:cNvPr id="5" name="页脚占位符 4">
             <a:extLst>
               <a:ext uri="{FF2B5EF4-FFF2-40B4-BE49-F238E27FC236}">
-                <a16:creationId xmlns:a16="http://schemas.microsoft.com/office/drawing/2014/main" id="{9F08AC52-F703-CDD1-57BC-2CE8E30F7E6B}"/>
+                <a16:creationId xmlns:a16="http://schemas.microsoft.com/office/drawing/2014/main" id="{27E5463A-082B-E71D-F6FE-80DD27F9094B}"/>
               </a:ext>
             </a:extLst>
           </p:cNvPr>
@@ -290,7 +290,7 @@
           <p:cNvPr id="6" name="灯片编号占位符 5">
             <a:extLst>
               <a:ext uri="{FF2B5EF4-FFF2-40B4-BE49-F238E27FC236}">
-                <a16:creationId xmlns:a16="http://schemas.microsoft.com/office/drawing/2014/main" id="{118B62AE-169D-90B4-75AB-EE358449774B}"/>
+                <a16:creationId xmlns:a16="http://schemas.microsoft.com/office/drawing/2014/main" id="{36D6D619-556B-1AFC-C4BF-F456FE421700}"/>
               </a:ext>
             </a:extLst>
           </p:cNvPr>
@@ -306,7 +306,7 @@
           <a:bodyPr/>
           <a:lstStyle/>
           <a:p>
-            <a:fld id="{FFF7A64F-2F6F-48A4-8E79-E934596EE776}" type="slidenum">
+            <a:fld id="{3A21D8A6-A376-45CF-96C9-5C5CC0B9AD89}" type="slidenum">
               <a:rPr lang="zh-CN" altLang="en-US" smtClean="0"/>
               <a:t>‹#›</a:t>
             </a:fld>
@@ -317,7 +317,7 @@
     </p:spTree>
     <p:extLst>
       <p:ext uri="{BB962C8B-B14F-4D97-AF65-F5344CB8AC3E}">
-        <p14:creationId xmlns:p14="http://schemas.microsoft.com/office/powerpoint/2010/main" val="280694081"/>
+        <p14:creationId xmlns:p14="http://schemas.microsoft.com/office/powerpoint/2010/main" val="52039380"/>
       </p:ext>
     </p:extLst>
   </p:cSld>
@@ -349,7 +349,7 @@
           <p:cNvPr id="2" name="标题 1">
             <a:extLst>
               <a:ext uri="{FF2B5EF4-FFF2-40B4-BE49-F238E27FC236}">
-                <a16:creationId xmlns:a16="http://schemas.microsoft.com/office/drawing/2014/main" id="{69758802-AA9A-5F54-D3C6-8674CCE31FDD}"/>
+                <a16:creationId xmlns:a16="http://schemas.microsoft.com/office/drawing/2014/main" id="{6A2C3FE4-B8DF-EEA6-6A58-A04F1B82519A}"/>
               </a:ext>
             </a:extLst>
           </p:cNvPr>
@@ -377,7 +377,7 @@
           <p:cNvPr id="3" name="竖排文字占位符 2">
             <a:extLst>
               <a:ext uri="{FF2B5EF4-FFF2-40B4-BE49-F238E27FC236}">
-                <a16:creationId xmlns:a16="http://schemas.microsoft.com/office/drawing/2014/main" id="{0FA323B5-212E-407B-AE6C-F10958D8E50A}"/>
+                <a16:creationId xmlns:a16="http://schemas.microsoft.com/office/drawing/2014/main" id="{53F85CB7-57A5-EC94-8FEA-B3011572CBD8}"/>
               </a:ext>
             </a:extLst>
           </p:cNvPr>
@@ -434,7 +434,7 @@
           <p:cNvPr id="4" name="日期占位符 3">
             <a:extLst>
               <a:ext uri="{FF2B5EF4-FFF2-40B4-BE49-F238E27FC236}">
-                <a16:creationId xmlns:a16="http://schemas.microsoft.com/office/drawing/2014/main" id="{E072AF1C-B8F1-E0FB-7480-28EB2A507F85}"/>
+                <a16:creationId xmlns:a16="http://schemas.microsoft.com/office/drawing/2014/main" id="{D07B0540-DB39-E72C-9410-9E035D272B4A}"/>
               </a:ext>
             </a:extLst>
           </p:cNvPr>
@@ -450,7 +450,7 @@
           <a:bodyPr/>
           <a:lstStyle/>
           <a:p>
-            <a:fld id="{4FE8D249-7D3E-4ED5-9C15-B64D6040AA4D}" type="datetimeFigureOut">
+            <a:fld id="{F7A42F9B-BCCE-44A5-BF1C-17D3E5FB22AA}" type="datetimeFigureOut">
               <a:rPr lang="zh-CN" altLang="en-US" smtClean="0"/>
               <a:t>2024/3/10</a:t>
             </a:fld>
@@ -463,7 +463,7 @@
           <p:cNvPr id="5" name="页脚占位符 4">
             <a:extLst>
               <a:ext uri="{FF2B5EF4-FFF2-40B4-BE49-F238E27FC236}">
-                <a16:creationId xmlns:a16="http://schemas.microsoft.com/office/drawing/2014/main" id="{0ADFE5BD-D1C0-7AF7-272C-E8A9CBCBDC8F}"/>
+                <a16:creationId xmlns:a16="http://schemas.microsoft.com/office/drawing/2014/main" id="{63B94478-FAE6-D6EB-CF79-65F68E192FD2}"/>
               </a:ext>
             </a:extLst>
           </p:cNvPr>
@@ -488,7 +488,7 @@
           <p:cNvPr id="6" name="灯片编号占位符 5">
             <a:extLst>
               <a:ext uri="{FF2B5EF4-FFF2-40B4-BE49-F238E27FC236}">
-                <a16:creationId xmlns:a16="http://schemas.microsoft.com/office/drawing/2014/main" id="{6DB20BA0-6A2A-CB93-6336-072F15AE4468}"/>
+                <a16:creationId xmlns:a16="http://schemas.microsoft.com/office/drawing/2014/main" id="{FFC6CDF9-51EB-D935-63E2-B93B2D5D9506}"/>
               </a:ext>
             </a:extLst>
           </p:cNvPr>
@@ -504,7 +504,7 @@
           <a:bodyPr/>
           <a:lstStyle/>
           <a:p>
-            <a:fld id="{FFF7A64F-2F6F-48A4-8E79-E934596EE776}" type="slidenum">
+            <a:fld id="{3A21D8A6-A376-45CF-96C9-5C5CC0B9AD89}" type="slidenum">
               <a:rPr lang="zh-CN" altLang="en-US" smtClean="0"/>
               <a:t>‹#›</a:t>
             </a:fld>
@@ -515,7 +515,7 @@
     </p:spTree>
     <p:extLst>
       <p:ext uri="{BB962C8B-B14F-4D97-AF65-F5344CB8AC3E}">
-        <p14:creationId xmlns:p14="http://schemas.microsoft.com/office/powerpoint/2010/main" val="4115976226"/>
+        <p14:creationId xmlns:p14="http://schemas.microsoft.com/office/powerpoint/2010/main" val="2747755199"/>
       </p:ext>
     </p:extLst>
   </p:cSld>
@@ -547,7 +547,7 @@
           <p:cNvPr id="2" name="竖排标题 1">
             <a:extLst>
               <a:ext uri="{FF2B5EF4-FFF2-40B4-BE49-F238E27FC236}">
-                <a16:creationId xmlns:a16="http://schemas.microsoft.com/office/drawing/2014/main" id="{DA519931-1AFB-CAD8-EA7A-A571E1807ACF}"/>
+                <a16:creationId xmlns:a16="http://schemas.microsoft.com/office/drawing/2014/main" id="{8DE8D547-DDE5-CBFE-BFC5-F2DA100E1A59}"/>
               </a:ext>
             </a:extLst>
           </p:cNvPr>
@@ -580,7 +580,7 @@
           <p:cNvPr id="3" name="竖排文字占位符 2">
             <a:extLst>
               <a:ext uri="{FF2B5EF4-FFF2-40B4-BE49-F238E27FC236}">
-                <a16:creationId xmlns:a16="http://schemas.microsoft.com/office/drawing/2014/main" id="{37D22737-05AA-61D4-46D8-A592BC3EE3B9}"/>
+                <a16:creationId xmlns:a16="http://schemas.microsoft.com/office/drawing/2014/main" id="{C99502FE-CDE9-DDDD-BE66-92F7A8ACF524}"/>
               </a:ext>
             </a:extLst>
           </p:cNvPr>
@@ -642,7 +642,7 @@
           <p:cNvPr id="4" name="日期占位符 3">
             <a:extLst>
               <a:ext uri="{FF2B5EF4-FFF2-40B4-BE49-F238E27FC236}">
-                <a16:creationId xmlns:a16="http://schemas.microsoft.com/office/drawing/2014/main" id="{A7A1E75C-DDD7-9DE0-CDA1-107F7EF605FD}"/>
+                <a16:creationId xmlns:a16="http://schemas.microsoft.com/office/drawing/2014/main" id="{110D4D2C-49CC-5E13-EEF7-16714AAF2A44}"/>
               </a:ext>
             </a:extLst>
           </p:cNvPr>
@@ -658,7 +658,7 @@
           <a:bodyPr/>
           <a:lstStyle/>
           <a:p>
-            <a:fld id="{4FE8D249-7D3E-4ED5-9C15-B64D6040AA4D}" type="datetimeFigureOut">
+            <a:fld id="{F7A42F9B-BCCE-44A5-BF1C-17D3E5FB22AA}" type="datetimeFigureOut">
               <a:rPr lang="zh-CN" altLang="en-US" smtClean="0"/>
               <a:t>2024/3/10</a:t>
             </a:fld>
@@ -671,7 +671,7 @@
           <p:cNvPr id="5" name="页脚占位符 4">
             <a:extLst>
               <a:ext uri="{FF2B5EF4-FFF2-40B4-BE49-F238E27FC236}">
-                <a16:creationId xmlns:a16="http://schemas.microsoft.com/office/drawing/2014/main" id="{616240F1-98FC-281A-9B02-5F0389BADAA1}"/>
+                <a16:creationId xmlns:a16="http://schemas.microsoft.com/office/drawing/2014/main" id="{6ED57612-F727-8304-63B1-9725EEDE5362}"/>
               </a:ext>
             </a:extLst>
           </p:cNvPr>
@@ -696,7 +696,7 @@
           <p:cNvPr id="6" name="灯片编号占位符 5">
             <a:extLst>
               <a:ext uri="{FF2B5EF4-FFF2-40B4-BE49-F238E27FC236}">
-                <a16:creationId xmlns:a16="http://schemas.microsoft.com/office/drawing/2014/main" id="{5F1248FB-016D-793E-E34B-D82A93EDD9F7}"/>
+                <a16:creationId xmlns:a16="http://schemas.microsoft.com/office/drawing/2014/main" id="{AF9E1FE4-0BC2-2C65-B5EA-3EF0EFA27BB0}"/>
               </a:ext>
             </a:extLst>
           </p:cNvPr>
@@ -712,7 +712,7 @@
           <a:bodyPr/>
           <a:lstStyle/>
           <a:p>
-            <a:fld id="{FFF7A64F-2F6F-48A4-8E79-E934596EE776}" type="slidenum">
+            <a:fld id="{3A21D8A6-A376-45CF-96C9-5C5CC0B9AD89}" type="slidenum">
               <a:rPr lang="zh-CN" altLang="en-US" smtClean="0"/>
               <a:t>‹#›</a:t>
             </a:fld>
@@ -723,7 +723,7 @@
     </p:spTree>
     <p:extLst>
       <p:ext uri="{BB962C8B-B14F-4D97-AF65-F5344CB8AC3E}">
-        <p14:creationId xmlns:p14="http://schemas.microsoft.com/office/powerpoint/2010/main" val="3466494367"/>
+        <p14:creationId xmlns:p14="http://schemas.microsoft.com/office/powerpoint/2010/main" val="3104647330"/>
       </p:ext>
     </p:extLst>
   </p:cSld>
@@ -755,7 +755,7 @@
           <p:cNvPr id="2" name="标题 1">
             <a:extLst>
               <a:ext uri="{FF2B5EF4-FFF2-40B4-BE49-F238E27FC236}">
-                <a16:creationId xmlns:a16="http://schemas.microsoft.com/office/drawing/2014/main" id="{7C131A3B-6FC1-C044-7859-2895BF493A46}"/>
+                <a16:creationId xmlns:a16="http://schemas.microsoft.com/office/drawing/2014/main" id="{E9E4965F-FE95-304D-A679-6C0B695B1941}"/>
               </a:ext>
             </a:extLst>
           </p:cNvPr>
@@ -783,7 +783,7 @@
           <p:cNvPr id="3" name="内容占位符 2">
             <a:extLst>
               <a:ext uri="{FF2B5EF4-FFF2-40B4-BE49-F238E27FC236}">
-                <a16:creationId xmlns:a16="http://schemas.microsoft.com/office/drawing/2014/main" id="{BF98587B-5470-F1DF-3261-FC84C09200BA}"/>
+                <a16:creationId xmlns:a16="http://schemas.microsoft.com/office/drawing/2014/main" id="{0526FC54-DF98-EF49-5426-823537332F8D}"/>
               </a:ext>
             </a:extLst>
           </p:cNvPr>
@@ -840,7 +840,7 @@
           <p:cNvPr id="4" name="日期占位符 3">
             <a:extLst>
               <a:ext uri="{FF2B5EF4-FFF2-40B4-BE49-F238E27FC236}">
-                <a16:creationId xmlns:a16="http://schemas.microsoft.com/office/drawing/2014/main" id="{E1C4AFEF-2179-7024-B3A5-66D444E97BEA}"/>
+                <a16:creationId xmlns:a16="http://schemas.microsoft.com/office/drawing/2014/main" id="{98489326-D741-6233-0EEC-7717AEB3C7BB}"/>
               </a:ext>
             </a:extLst>
           </p:cNvPr>
@@ -856,7 +856,7 @@
           <a:bodyPr/>
           <a:lstStyle/>
           <a:p>
-            <a:fld id="{4FE8D249-7D3E-4ED5-9C15-B64D6040AA4D}" type="datetimeFigureOut">
+            <a:fld id="{F7A42F9B-BCCE-44A5-BF1C-17D3E5FB22AA}" type="datetimeFigureOut">
               <a:rPr lang="zh-CN" altLang="en-US" smtClean="0"/>
               <a:t>2024/3/10</a:t>
             </a:fld>
@@ -869,7 +869,7 @@
           <p:cNvPr id="5" name="页脚占位符 4">
             <a:extLst>
               <a:ext uri="{FF2B5EF4-FFF2-40B4-BE49-F238E27FC236}">
-                <a16:creationId xmlns:a16="http://schemas.microsoft.com/office/drawing/2014/main" id="{8A5B9127-D05E-8B6F-5954-318BE532BF9A}"/>
+                <a16:creationId xmlns:a16="http://schemas.microsoft.com/office/drawing/2014/main" id="{1482EF80-8708-CF32-70D4-1EAB594ED08F}"/>
               </a:ext>
             </a:extLst>
           </p:cNvPr>
@@ -894,7 +894,7 @@
           <p:cNvPr id="6" name="灯片编号占位符 5">
             <a:extLst>
               <a:ext uri="{FF2B5EF4-FFF2-40B4-BE49-F238E27FC236}">
-                <a16:creationId xmlns:a16="http://schemas.microsoft.com/office/drawing/2014/main" id="{FBB85505-BF3F-45BB-83A2-EA17BFA1F5AC}"/>
+                <a16:creationId xmlns:a16="http://schemas.microsoft.com/office/drawing/2014/main" id="{85EC227C-C958-F506-CD81-B6597EC78CBB}"/>
               </a:ext>
             </a:extLst>
           </p:cNvPr>
@@ -910,7 +910,7 @@
           <a:bodyPr/>
           <a:lstStyle/>
           <a:p>
-            <a:fld id="{FFF7A64F-2F6F-48A4-8E79-E934596EE776}" type="slidenum">
+            <a:fld id="{3A21D8A6-A376-45CF-96C9-5C5CC0B9AD89}" type="slidenum">
               <a:rPr lang="zh-CN" altLang="en-US" smtClean="0"/>
               <a:t>‹#›</a:t>
             </a:fld>
@@ -921,7 +921,7 @@
     </p:spTree>
     <p:extLst>
       <p:ext uri="{BB962C8B-B14F-4D97-AF65-F5344CB8AC3E}">
-        <p14:creationId xmlns:p14="http://schemas.microsoft.com/office/powerpoint/2010/main" val="3279346497"/>
+        <p14:creationId xmlns:p14="http://schemas.microsoft.com/office/powerpoint/2010/main" val="568966292"/>
       </p:ext>
     </p:extLst>
   </p:cSld>
@@ -953,7 +953,7 @@
           <p:cNvPr id="2" name="标题 1">
             <a:extLst>
               <a:ext uri="{FF2B5EF4-FFF2-40B4-BE49-F238E27FC236}">
-                <a16:creationId xmlns:a16="http://schemas.microsoft.com/office/drawing/2014/main" id="{FE658E58-5C35-6500-0B8E-3060B3303BA1}"/>
+                <a16:creationId xmlns:a16="http://schemas.microsoft.com/office/drawing/2014/main" id="{17B6549E-411A-4E35-4487-9E2F3B3E1BBE}"/>
               </a:ext>
             </a:extLst>
           </p:cNvPr>
@@ -990,7 +990,7 @@
           <p:cNvPr id="3" name="文本占位符 2">
             <a:extLst>
               <a:ext uri="{FF2B5EF4-FFF2-40B4-BE49-F238E27FC236}">
-                <a16:creationId xmlns:a16="http://schemas.microsoft.com/office/drawing/2014/main" id="{AC6D4D45-746F-0753-245F-B6057EEF24ED}"/>
+                <a16:creationId xmlns:a16="http://schemas.microsoft.com/office/drawing/2014/main" id="{E46502A4-661A-B8AE-3B76-B6D0047CF4A0}"/>
               </a:ext>
             </a:extLst>
           </p:cNvPr>
@@ -1115,7 +1115,7 @@
           <p:cNvPr id="4" name="日期占位符 3">
             <a:extLst>
               <a:ext uri="{FF2B5EF4-FFF2-40B4-BE49-F238E27FC236}">
-                <a16:creationId xmlns:a16="http://schemas.microsoft.com/office/drawing/2014/main" id="{A70B040B-C4AA-8E96-B713-0BB827D77203}"/>
+                <a16:creationId xmlns:a16="http://schemas.microsoft.com/office/drawing/2014/main" id="{8787B72E-71FA-DFC1-3140-84C315BD9213}"/>
               </a:ext>
             </a:extLst>
           </p:cNvPr>
@@ -1131,7 +1131,7 @@
           <a:bodyPr/>
           <a:lstStyle/>
           <a:p>
-            <a:fld id="{4FE8D249-7D3E-4ED5-9C15-B64D6040AA4D}" type="datetimeFigureOut">
+            <a:fld id="{F7A42F9B-BCCE-44A5-BF1C-17D3E5FB22AA}" type="datetimeFigureOut">
               <a:rPr lang="zh-CN" altLang="en-US" smtClean="0"/>
               <a:t>2024/3/10</a:t>
             </a:fld>
@@ -1144,7 +1144,7 @@
           <p:cNvPr id="5" name="页脚占位符 4">
             <a:extLst>
               <a:ext uri="{FF2B5EF4-FFF2-40B4-BE49-F238E27FC236}">
-                <a16:creationId xmlns:a16="http://schemas.microsoft.com/office/drawing/2014/main" id="{1FFA9252-DDD8-4189-A991-2C0871F3E501}"/>
+                <a16:creationId xmlns:a16="http://schemas.microsoft.com/office/drawing/2014/main" id="{66AA1845-0D3C-12A7-63B2-88DF05FC5903}"/>
               </a:ext>
             </a:extLst>
           </p:cNvPr>
@@ -1169,7 +1169,7 @@
           <p:cNvPr id="6" name="灯片编号占位符 5">
             <a:extLst>
               <a:ext uri="{FF2B5EF4-FFF2-40B4-BE49-F238E27FC236}">
-                <a16:creationId xmlns:a16="http://schemas.microsoft.com/office/drawing/2014/main" id="{13C676BD-4E56-5EA8-ED52-C42B206AA1AB}"/>
+                <a16:creationId xmlns:a16="http://schemas.microsoft.com/office/drawing/2014/main" id="{0B36E6FD-6000-3AF4-4684-3A6A6B7F2974}"/>
               </a:ext>
             </a:extLst>
           </p:cNvPr>
@@ -1185,7 +1185,7 @@
           <a:bodyPr/>
           <a:lstStyle/>
           <a:p>
-            <a:fld id="{FFF7A64F-2F6F-48A4-8E79-E934596EE776}" type="slidenum">
+            <a:fld id="{3A21D8A6-A376-45CF-96C9-5C5CC0B9AD89}" type="slidenum">
               <a:rPr lang="zh-CN" altLang="en-US" smtClean="0"/>
               <a:t>‹#›</a:t>
             </a:fld>
@@ -1196,7 +1196,7 @@
     </p:spTree>
     <p:extLst>
       <p:ext uri="{BB962C8B-B14F-4D97-AF65-F5344CB8AC3E}">
-        <p14:creationId xmlns:p14="http://schemas.microsoft.com/office/powerpoint/2010/main" val="4170054915"/>
+        <p14:creationId xmlns:p14="http://schemas.microsoft.com/office/powerpoint/2010/main" val="14878652"/>
       </p:ext>
     </p:extLst>
   </p:cSld>
@@ -1228,7 +1228,7 @@
           <p:cNvPr id="2" name="标题 1">
             <a:extLst>
               <a:ext uri="{FF2B5EF4-FFF2-40B4-BE49-F238E27FC236}">
-                <a16:creationId xmlns:a16="http://schemas.microsoft.com/office/drawing/2014/main" id="{4B0CF968-A064-0070-6CA2-AA135A65C9EA}"/>
+                <a16:creationId xmlns:a16="http://schemas.microsoft.com/office/drawing/2014/main" id="{66DEC680-6BEC-F5A0-85A8-77CD239DA2C2}"/>
               </a:ext>
             </a:extLst>
           </p:cNvPr>
@@ -1256,7 +1256,7 @@
           <p:cNvPr id="3" name="内容占位符 2">
             <a:extLst>
               <a:ext uri="{FF2B5EF4-FFF2-40B4-BE49-F238E27FC236}">
-                <a16:creationId xmlns:a16="http://schemas.microsoft.com/office/drawing/2014/main" id="{949A197D-EB19-B68E-31CE-B72576628F75}"/>
+                <a16:creationId xmlns:a16="http://schemas.microsoft.com/office/drawing/2014/main" id="{EE6196B5-C0C3-DC64-E2D1-826F925514AB}"/>
               </a:ext>
             </a:extLst>
           </p:cNvPr>
@@ -1318,7 +1318,7 @@
           <p:cNvPr id="4" name="内容占位符 3">
             <a:extLst>
               <a:ext uri="{FF2B5EF4-FFF2-40B4-BE49-F238E27FC236}">
-                <a16:creationId xmlns:a16="http://schemas.microsoft.com/office/drawing/2014/main" id="{D3CD6DB2-5B05-09EB-D8C5-6322DCB670AC}"/>
+                <a16:creationId xmlns:a16="http://schemas.microsoft.com/office/drawing/2014/main" id="{6D639715-9E0E-4ABA-6B66-89165BBB072E}"/>
               </a:ext>
             </a:extLst>
           </p:cNvPr>
@@ -1380,7 +1380,7 @@
           <p:cNvPr id="5" name="日期占位符 4">
             <a:extLst>
               <a:ext uri="{FF2B5EF4-FFF2-40B4-BE49-F238E27FC236}">
-                <a16:creationId xmlns:a16="http://schemas.microsoft.com/office/drawing/2014/main" id="{A5142D44-8E62-0145-ED9A-D97E548811F3}"/>
+                <a16:creationId xmlns:a16="http://schemas.microsoft.com/office/drawing/2014/main" id="{A5AFE6C6-45A0-2355-0203-FD5510F42F6E}"/>
               </a:ext>
             </a:extLst>
           </p:cNvPr>
@@ -1396,7 +1396,7 @@
           <a:bodyPr/>
           <a:lstStyle/>
           <a:p>
-            <a:fld id="{4FE8D249-7D3E-4ED5-9C15-B64D6040AA4D}" type="datetimeFigureOut">
+            <a:fld id="{F7A42F9B-BCCE-44A5-BF1C-17D3E5FB22AA}" type="datetimeFigureOut">
               <a:rPr lang="zh-CN" altLang="en-US" smtClean="0"/>
               <a:t>2024/3/10</a:t>
             </a:fld>
@@ -1409,7 +1409,7 @@
           <p:cNvPr id="6" name="页脚占位符 5">
             <a:extLst>
               <a:ext uri="{FF2B5EF4-FFF2-40B4-BE49-F238E27FC236}">
-                <a16:creationId xmlns:a16="http://schemas.microsoft.com/office/drawing/2014/main" id="{F31C5022-D613-CAFB-0CE4-6D1A07D4F17D}"/>
+                <a16:creationId xmlns:a16="http://schemas.microsoft.com/office/drawing/2014/main" id="{775D2A48-F1EC-B5D5-F2F6-C436BB7D135F}"/>
               </a:ext>
             </a:extLst>
           </p:cNvPr>
@@ -1434,7 +1434,7 @@
           <p:cNvPr id="7" name="灯片编号占位符 6">
             <a:extLst>
               <a:ext uri="{FF2B5EF4-FFF2-40B4-BE49-F238E27FC236}">
-                <a16:creationId xmlns:a16="http://schemas.microsoft.com/office/drawing/2014/main" id="{E6D6F962-47D4-135F-F5DB-4DDB67E49DC5}"/>
+                <a16:creationId xmlns:a16="http://schemas.microsoft.com/office/drawing/2014/main" id="{9300ABC0-178E-7ED5-E54A-A473BF628BA7}"/>
               </a:ext>
             </a:extLst>
           </p:cNvPr>
@@ -1450,7 +1450,7 @@
           <a:bodyPr/>
           <a:lstStyle/>
           <a:p>
-            <a:fld id="{FFF7A64F-2F6F-48A4-8E79-E934596EE776}" type="slidenum">
+            <a:fld id="{3A21D8A6-A376-45CF-96C9-5C5CC0B9AD89}" type="slidenum">
               <a:rPr lang="zh-CN" altLang="en-US" smtClean="0"/>
               <a:t>‹#›</a:t>
             </a:fld>
@@ -1461,7 +1461,7 @@
     </p:spTree>
     <p:extLst>
       <p:ext uri="{BB962C8B-B14F-4D97-AF65-F5344CB8AC3E}">
-        <p14:creationId xmlns:p14="http://schemas.microsoft.com/office/powerpoint/2010/main" val="4040469707"/>
+        <p14:creationId xmlns:p14="http://schemas.microsoft.com/office/powerpoint/2010/main" val="50158824"/>
       </p:ext>
     </p:extLst>
   </p:cSld>
@@ -1493,7 +1493,7 @@
           <p:cNvPr id="2" name="标题 1">
             <a:extLst>
               <a:ext uri="{FF2B5EF4-FFF2-40B4-BE49-F238E27FC236}">
-                <a16:creationId xmlns:a16="http://schemas.microsoft.com/office/drawing/2014/main" id="{C4248C36-B5C6-4C36-388A-6280CC1D3A20}"/>
+                <a16:creationId xmlns:a16="http://schemas.microsoft.com/office/drawing/2014/main" id="{BF391F74-8E69-C47A-1F2D-19C4F397DCFD}"/>
               </a:ext>
             </a:extLst>
           </p:cNvPr>
@@ -1526,7 +1526,7 @@
           <p:cNvPr id="3" name="文本占位符 2">
             <a:extLst>
               <a:ext uri="{FF2B5EF4-FFF2-40B4-BE49-F238E27FC236}">
-                <a16:creationId xmlns:a16="http://schemas.microsoft.com/office/drawing/2014/main" id="{A1F1B5EC-F912-AAB9-A6FC-72B227BAD7BF}"/>
+                <a16:creationId xmlns:a16="http://schemas.microsoft.com/office/drawing/2014/main" id="{8D6D1FA2-F7BB-7A35-0D9C-3D7236B36C99}"/>
               </a:ext>
             </a:extLst>
           </p:cNvPr>
@@ -1597,7 +1597,7 @@
           <p:cNvPr id="4" name="内容占位符 3">
             <a:extLst>
               <a:ext uri="{FF2B5EF4-FFF2-40B4-BE49-F238E27FC236}">
-                <a16:creationId xmlns:a16="http://schemas.microsoft.com/office/drawing/2014/main" id="{B84C6C41-EF90-87CE-04EF-53C49DAA3BE4}"/>
+                <a16:creationId xmlns:a16="http://schemas.microsoft.com/office/drawing/2014/main" id="{F86064CD-AA64-B1D0-366B-C9AE5CCFF455}"/>
               </a:ext>
             </a:extLst>
           </p:cNvPr>
@@ -1659,7 +1659,7 @@
           <p:cNvPr id="5" name="文本占位符 4">
             <a:extLst>
               <a:ext uri="{FF2B5EF4-FFF2-40B4-BE49-F238E27FC236}">
-                <a16:creationId xmlns:a16="http://schemas.microsoft.com/office/drawing/2014/main" id="{49EDE049-A2DA-02D8-F6B9-F1AD2D2A0752}"/>
+                <a16:creationId xmlns:a16="http://schemas.microsoft.com/office/drawing/2014/main" id="{D9709C11-B64A-0701-57A9-800E2E80892B}"/>
               </a:ext>
             </a:extLst>
           </p:cNvPr>
@@ -1730,7 +1730,7 @@
           <p:cNvPr id="6" name="内容占位符 5">
             <a:extLst>
               <a:ext uri="{FF2B5EF4-FFF2-40B4-BE49-F238E27FC236}">
-                <a16:creationId xmlns:a16="http://schemas.microsoft.com/office/drawing/2014/main" id="{362E53E7-D38A-6D47-75E3-324B9E6DBDE5}"/>
+                <a16:creationId xmlns:a16="http://schemas.microsoft.com/office/drawing/2014/main" id="{625552D2-C913-6ED9-3B34-023AB8C344FE}"/>
               </a:ext>
             </a:extLst>
           </p:cNvPr>
@@ -1792,7 +1792,7 @@
           <p:cNvPr id="7" name="日期占位符 6">
             <a:extLst>
               <a:ext uri="{FF2B5EF4-FFF2-40B4-BE49-F238E27FC236}">
-                <a16:creationId xmlns:a16="http://schemas.microsoft.com/office/drawing/2014/main" id="{951FA869-8988-9B6F-39B3-DE0672B5DB4D}"/>
+                <a16:creationId xmlns:a16="http://schemas.microsoft.com/office/drawing/2014/main" id="{7F039E68-A62B-4AA6-ADFE-6D5F1A7C2F83}"/>
               </a:ext>
             </a:extLst>
           </p:cNvPr>
@@ -1808,7 +1808,7 @@
           <a:bodyPr/>
           <a:lstStyle/>
           <a:p>
-            <a:fld id="{4FE8D249-7D3E-4ED5-9C15-B64D6040AA4D}" type="datetimeFigureOut">
+            <a:fld id="{F7A42F9B-BCCE-44A5-BF1C-17D3E5FB22AA}" type="datetimeFigureOut">
               <a:rPr lang="zh-CN" altLang="en-US" smtClean="0"/>
               <a:t>2024/3/10</a:t>
             </a:fld>
@@ -1821,7 +1821,7 @@
           <p:cNvPr id="8" name="页脚占位符 7">
             <a:extLst>
               <a:ext uri="{FF2B5EF4-FFF2-40B4-BE49-F238E27FC236}">
-                <a16:creationId xmlns:a16="http://schemas.microsoft.com/office/drawing/2014/main" id="{EF59192E-703B-9841-126D-86A4A088CB22}"/>
+                <a16:creationId xmlns:a16="http://schemas.microsoft.com/office/drawing/2014/main" id="{EDD3234E-C847-73B8-F84C-922B302D50A9}"/>
               </a:ext>
             </a:extLst>
           </p:cNvPr>
@@ -1846,7 +1846,7 @@
           <p:cNvPr id="9" name="灯片编号占位符 8">
             <a:extLst>
               <a:ext uri="{FF2B5EF4-FFF2-40B4-BE49-F238E27FC236}">
-                <a16:creationId xmlns:a16="http://schemas.microsoft.com/office/drawing/2014/main" id="{CA31CB69-A96E-9AF9-553A-20F769FF71D8}"/>
+                <a16:creationId xmlns:a16="http://schemas.microsoft.com/office/drawing/2014/main" id="{72224245-8909-8CEC-0CEB-FC59014A857D}"/>
               </a:ext>
             </a:extLst>
           </p:cNvPr>
@@ -1862,7 +1862,7 @@
           <a:bodyPr/>
           <a:lstStyle/>
           <a:p>
-            <a:fld id="{FFF7A64F-2F6F-48A4-8E79-E934596EE776}" type="slidenum">
+            <a:fld id="{3A21D8A6-A376-45CF-96C9-5C5CC0B9AD89}" type="slidenum">
               <a:rPr lang="zh-CN" altLang="en-US" smtClean="0"/>
               <a:t>‹#›</a:t>
             </a:fld>
@@ -1873,7 +1873,7 @@
     </p:spTree>
     <p:extLst>
       <p:ext uri="{BB962C8B-B14F-4D97-AF65-F5344CB8AC3E}">
-        <p14:creationId xmlns:p14="http://schemas.microsoft.com/office/powerpoint/2010/main" val="4076338586"/>
+        <p14:creationId xmlns:p14="http://schemas.microsoft.com/office/powerpoint/2010/main" val="3556011134"/>
       </p:ext>
     </p:extLst>
   </p:cSld>
@@ -1905,7 +1905,7 @@
           <p:cNvPr id="2" name="标题 1">
             <a:extLst>
               <a:ext uri="{FF2B5EF4-FFF2-40B4-BE49-F238E27FC236}">
-                <a16:creationId xmlns:a16="http://schemas.microsoft.com/office/drawing/2014/main" id="{BC173BDD-BC41-DC3C-D800-CE5A37DC1551}"/>
+                <a16:creationId xmlns:a16="http://schemas.microsoft.com/office/drawing/2014/main" id="{F445327F-38B7-B418-5B85-AA8EC8F5A0F2}"/>
               </a:ext>
             </a:extLst>
           </p:cNvPr>
@@ -1933,7 +1933,7 @@
           <p:cNvPr id="3" name="日期占位符 2">
             <a:extLst>
               <a:ext uri="{FF2B5EF4-FFF2-40B4-BE49-F238E27FC236}">
-                <a16:creationId xmlns:a16="http://schemas.microsoft.com/office/drawing/2014/main" id="{8E1D5BB0-54A0-6076-6FC1-A7D8527661B6}"/>
+                <a16:creationId xmlns:a16="http://schemas.microsoft.com/office/drawing/2014/main" id="{9586170C-EC50-F1EC-132C-4C29ECF1B0D9}"/>
               </a:ext>
             </a:extLst>
           </p:cNvPr>
@@ -1949,7 +1949,7 @@
           <a:bodyPr/>
           <a:lstStyle/>
           <a:p>
-            <a:fld id="{4FE8D249-7D3E-4ED5-9C15-B64D6040AA4D}" type="datetimeFigureOut">
+            <a:fld id="{F7A42F9B-BCCE-44A5-BF1C-17D3E5FB22AA}" type="datetimeFigureOut">
               <a:rPr lang="zh-CN" altLang="en-US" smtClean="0"/>
               <a:t>2024/3/10</a:t>
             </a:fld>
@@ -1962,7 +1962,7 @@
           <p:cNvPr id="4" name="页脚占位符 3">
             <a:extLst>
               <a:ext uri="{FF2B5EF4-FFF2-40B4-BE49-F238E27FC236}">
-                <a16:creationId xmlns:a16="http://schemas.microsoft.com/office/drawing/2014/main" id="{B43F81BB-3AD1-3EBC-9949-8864ACB71EB2}"/>
+                <a16:creationId xmlns:a16="http://schemas.microsoft.com/office/drawing/2014/main" id="{4EF8DEAB-A9ED-930B-500C-75D98F5B696A}"/>
               </a:ext>
             </a:extLst>
           </p:cNvPr>
@@ -1987,7 +1987,7 @@
           <p:cNvPr id="5" name="灯片编号占位符 4">
             <a:extLst>
               <a:ext uri="{FF2B5EF4-FFF2-40B4-BE49-F238E27FC236}">
-                <a16:creationId xmlns:a16="http://schemas.microsoft.com/office/drawing/2014/main" id="{8FB28730-9373-AE78-483A-2C0FBB02B391}"/>
+                <a16:creationId xmlns:a16="http://schemas.microsoft.com/office/drawing/2014/main" id="{BE1680BF-02D2-9C49-4CC0-C9DE5B272464}"/>
               </a:ext>
             </a:extLst>
           </p:cNvPr>
@@ -2003,7 +2003,7 @@
           <a:bodyPr/>
           <a:lstStyle/>
           <a:p>
-            <a:fld id="{FFF7A64F-2F6F-48A4-8E79-E934596EE776}" type="slidenum">
+            <a:fld id="{3A21D8A6-A376-45CF-96C9-5C5CC0B9AD89}" type="slidenum">
               <a:rPr lang="zh-CN" altLang="en-US" smtClean="0"/>
               <a:t>‹#›</a:t>
             </a:fld>
@@ -2014,7 +2014,7 @@
     </p:spTree>
     <p:extLst>
       <p:ext uri="{BB962C8B-B14F-4D97-AF65-F5344CB8AC3E}">
-        <p14:creationId xmlns:p14="http://schemas.microsoft.com/office/powerpoint/2010/main" val="410242605"/>
+        <p14:creationId xmlns:p14="http://schemas.microsoft.com/office/powerpoint/2010/main" val="4078641092"/>
       </p:ext>
     </p:extLst>
   </p:cSld>
@@ -2046,7 +2046,7 @@
           <p:cNvPr id="2" name="日期占位符 1">
             <a:extLst>
               <a:ext uri="{FF2B5EF4-FFF2-40B4-BE49-F238E27FC236}">
-                <a16:creationId xmlns:a16="http://schemas.microsoft.com/office/drawing/2014/main" id="{27AE6F20-4300-E8CE-6FF1-88F7402D8A1E}"/>
+                <a16:creationId xmlns:a16="http://schemas.microsoft.com/office/drawing/2014/main" id="{EEE0F9CB-D6D9-2FCA-0A6D-26C71D12F509}"/>
               </a:ext>
             </a:extLst>
           </p:cNvPr>
@@ -2062,7 +2062,7 @@
           <a:bodyPr/>
           <a:lstStyle/>
           <a:p>
-            <a:fld id="{4FE8D249-7D3E-4ED5-9C15-B64D6040AA4D}" type="datetimeFigureOut">
+            <a:fld id="{F7A42F9B-BCCE-44A5-BF1C-17D3E5FB22AA}" type="datetimeFigureOut">
               <a:rPr lang="zh-CN" altLang="en-US" smtClean="0"/>
               <a:t>2024/3/10</a:t>
             </a:fld>
@@ -2075,7 +2075,7 @@
           <p:cNvPr id="3" name="页脚占位符 2">
             <a:extLst>
               <a:ext uri="{FF2B5EF4-FFF2-40B4-BE49-F238E27FC236}">
-                <a16:creationId xmlns:a16="http://schemas.microsoft.com/office/drawing/2014/main" id="{9884CF26-72C1-EAD9-B996-408893383B57}"/>
+                <a16:creationId xmlns:a16="http://schemas.microsoft.com/office/drawing/2014/main" id="{173C218A-C5FB-A37F-DB22-C26DFC4B9292}"/>
               </a:ext>
             </a:extLst>
           </p:cNvPr>
@@ -2100,7 +2100,7 @@
           <p:cNvPr id="4" name="灯片编号占位符 3">
             <a:extLst>
               <a:ext uri="{FF2B5EF4-FFF2-40B4-BE49-F238E27FC236}">
-                <a16:creationId xmlns:a16="http://schemas.microsoft.com/office/drawing/2014/main" id="{CFA41D8F-944C-E1B3-9146-33B48AC30FF4}"/>
+                <a16:creationId xmlns:a16="http://schemas.microsoft.com/office/drawing/2014/main" id="{A45BEDE4-DF26-9E0B-569B-134AB9A86714}"/>
               </a:ext>
             </a:extLst>
           </p:cNvPr>
@@ -2116,7 +2116,7 @@
           <a:bodyPr/>
           <a:lstStyle/>
           <a:p>
-            <a:fld id="{FFF7A64F-2F6F-48A4-8E79-E934596EE776}" type="slidenum">
+            <a:fld id="{3A21D8A6-A376-45CF-96C9-5C5CC0B9AD89}" type="slidenum">
               <a:rPr lang="zh-CN" altLang="en-US" smtClean="0"/>
               <a:t>‹#›</a:t>
             </a:fld>
@@ -2127,7 +2127,7 @@
     </p:spTree>
     <p:extLst>
       <p:ext uri="{BB962C8B-B14F-4D97-AF65-F5344CB8AC3E}">
-        <p14:creationId xmlns:p14="http://schemas.microsoft.com/office/powerpoint/2010/main" val="687552329"/>
+        <p14:creationId xmlns:p14="http://schemas.microsoft.com/office/powerpoint/2010/main" val="3987570838"/>
       </p:ext>
     </p:extLst>
   </p:cSld>
@@ -2159,7 +2159,7 @@
           <p:cNvPr id="2" name="标题 1">
             <a:extLst>
               <a:ext uri="{FF2B5EF4-FFF2-40B4-BE49-F238E27FC236}">
-                <a16:creationId xmlns:a16="http://schemas.microsoft.com/office/drawing/2014/main" id="{DEE1F950-5C10-6AFD-A7F1-435132E60D41}"/>
+                <a16:creationId xmlns:a16="http://schemas.microsoft.com/office/drawing/2014/main" id="{0A6B0AAE-F117-9798-4513-8157CE089F77}"/>
               </a:ext>
             </a:extLst>
           </p:cNvPr>
@@ -2196,7 +2196,7 @@
           <p:cNvPr id="3" name="内容占位符 2">
             <a:extLst>
               <a:ext uri="{FF2B5EF4-FFF2-40B4-BE49-F238E27FC236}">
-                <a16:creationId xmlns:a16="http://schemas.microsoft.com/office/drawing/2014/main" id="{7DCB695A-751D-D826-CE5B-C6A3A317D42C}"/>
+                <a16:creationId xmlns:a16="http://schemas.microsoft.com/office/drawing/2014/main" id="{6A1222E1-1D3D-7934-C6DF-7774328D0FE9}"/>
               </a:ext>
             </a:extLst>
           </p:cNvPr>
@@ -2286,7 +2286,7 @@
           <p:cNvPr id="4" name="文本占位符 3">
             <a:extLst>
               <a:ext uri="{FF2B5EF4-FFF2-40B4-BE49-F238E27FC236}">
-                <a16:creationId xmlns:a16="http://schemas.microsoft.com/office/drawing/2014/main" id="{F5E006FD-0861-FEF9-707C-9EBD507E834A}"/>
+                <a16:creationId xmlns:a16="http://schemas.microsoft.com/office/drawing/2014/main" id="{4AAD1041-E626-327A-7BE6-B302C42B5E7F}"/>
               </a:ext>
             </a:extLst>
           </p:cNvPr>
@@ -2357,7 +2357,7 @@
           <p:cNvPr id="5" name="日期占位符 4">
             <a:extLst>
               <a:ext uri="{FF2B5EF4-FFF2-40B4-BE49-F238E27FC236}">
-                <a16:creationId xmlns:a16="http://schemas.microsoft.com/office/drawing/2014/main" id="{571BC530-C30B-FBE6-7289-B5C29FE548C7}"/>
+                <a16:creationId xmlns:a16="http://schemas.microsoft.com/office/drawing/2014/main" id="{9F32350C-FF23-44C5-984F-4279B3778AC3}"/>
               </a:ext>
             </a:extLst>
           </p:cNvPr>
@@ -2373,7 +2373,7 @@
           <a:bodyPr/>
           <a:lstStyle/>
           <a:p>
-            <a:fld id="{4FE8D249-7D3E-4ED5-9C15-B64D6040AA4D}" type="datetimeFigureOut">
+            <a:fld id="{F7A42F9B-BCCE-44A5-BF1C-17D3E5FB22AA}" type="datetimeFigureOut">
               <a:rPr lang="zh-CN" altLang="en-US" smtClean="0"/>
               <a:t>2024/3/10</a:t>
             </a:fld>
@@ -2386,7 +2386,7 @@
           <p:cNvPr id="6" name="页脚占位符 5">
             <a:extLst>
               <a:ext uri="{FF2B5EF4-FFF2-40B4-BE49-F238E27FC236}">
-                <a16:creationId xmlns:a16="http://schemas.microsoft.com/office/drawing/2014/main" id="{719E4178-238C-6556-D150-439406FE1BD5}"/>
+                <a16:creationId xmlns:a16="http://schemas.microsoft.com/office/drawing/2014/main" id="{094AA247-BB27-30A8-11C5-834FAFCC9F02}"/>
               </a:ext>
             </a:extLst>
           </p:cNvPr>
@@ -2411,7 +2411,7 @@
           <p:cNvPr id="7" name="灯片编号占位符 6">
             <a:extLst>
               <a:ext uri="{FF2B5EF4-FFF2-40B4-BE49-F238E27FC236}">
-                <a16:creationId xmlns:a16="http://schemas.microsoft.com/office/drawing/2014/main" id="{600C937A-F648-E8F8-8C3B-AC86D7AB28CE}"/>
+                <a16:creationId xmlns:a16="http://schemas.microsoft.com/office/drawing/2014/main" id="{81AAAD13-36AA-69A1-0E63-ADB1F9446CEF}"/>
               </a:ext>
             </a:extLst>
           </p:cNvPr>
@@ -2427,7 +2427,7 @@
           <a:bodyPr/>
           <a:lstStyle/>
           <a:p>
-            <a:fld id="{FFF7A64F-2F6F-48A4-8E79-E934596EE776}" type="slidenum">
+            <a:fld id="{3A21D8A6-A376-45CF-96C9-5C5CC0B9AD89}" type="slidenum">
               <a:rPr lang="zh-CN" altLang="en-US" smtClean="0"/>
               <a:t>‹#›</a:t>
             </a:fld>
@@ -2438,7 +2438,7 @@
     </p:spTree>
     <p:extLst>
       <p:ext uri="{BB962C8B-B14F-4D97-AF65-F5344CB8AC3E}">
-        <p14:creationId xmlns:p14="http://schemas.microsoft.com/office/powerpoint/2010/main" val="1762603692"/>
+        <p14:creationId xmlns:p14="http://schemas.microsoft.com/office/powerpoint/2010/main" val="3859730072"/>
       </p:ext>
     </p:extLst>
   </p:cSld>
@@ -2470,7 +2470,7 @@
           <p:cNvPr id="2" name="标题 1">
             <a:extLst>
               <a:ext uri="{FF2B5EF4-FFF2-40B4-BE49-F238E27FC236}">
-                <a16:creationId xmlns:a16="http://schemas.microsoft.com/office/drawing/2014/main" id="{AE0065F6-7053-5C78-4AAA-64243B48C687}"/>
+                <a16:creationId xmlns:a16="http://schemas.microsoft.com/office/drawing/2014/main" id="{B0BF3E0A-0F8F-42F0-B386-0CC8065136B0}"/>
               </a:ext>
             </a:extLst>
           </p:cNvPr>
@@ -2507,7 +2507,7 @@
           <p:cNvPr id="3" name="图片占位符 2">
             <a:extLst>
               <a:ext uri="{FF2B5EF4-FFF2-40B4-BE49-F238E27FC236}">
-                <a16:creationId xmlns:a16="http://schemas.microsoft.com/office/drawing/2014/main" id="{900F3F58-4922-0407-FB3F-DFCF0429215B}"/>
+                <a16:creationId xmlns:a16="http://schemas.microsoft.com/office/drawing/2014/main" id="{529BCAF7-542D-81E5-B4AC-1CC466B8B73A}"/>
               </a:ext>
             </a:extLst>
           </p:cNvPr>
@@ -2574,7 +2574,7 @@
           <p:cNvPr id="4" name="文本占位符 3">
             <a:extLst>
               <a:ext uri="{FF2B5EF4-FFF2-40B4-BE49-F238E27FC236}">
-                <a16:creationId xmlns:a16="http://schemas.microsoft.com/office/drawing/2014/main" id="{8C4E8144-5A0B-4284-8F91-B6940F4DBB66}"/>
+                <a16:creationId xmlns:a16="http://schemas.microsoft.com/office/drawing/2014/main" id="{FF6EFA20-095A-41D8-E6AE-4CC3237646E2}"/>
               </a:ext>
             </a:extLst>
           </p:cNvPr>
@@ -2645,7 +2645,7 @@
           <p:cNvPr id="5" name="日期占位符 4">
             <a:extLst>
               <a:ext uri="{FF2B5EF4-FFF2-40B4-BE49-F238E27FC236}">
-                <a16:creationId xmlns:a16="http://schemas.microsoft.com/office/drawing/2014/main" id="{F244AADF-C1A2-C578-3432-42A60306B591}"/>
+                <a16:creationId xmlns:a16="http://schemas.microsoft.com/office/drawing/2014/main" id="{B8820AD6-DCA6-75DF-6173-B57744ED804B}"/>
               </a:ext>
             </a:extLst>
           </p:cNvPr>
@@ -2661,7 +2661,7 @@
           <a:bodyPr/>
           <a:lstStyle/>
           <a:p>
-            <a:fld id="{4FE8D249-7D3E-4ED5-9C15-B64D6040AA4D}" type="datetimeFigureOut">
+            <a:fld id="{F7A42F9B-BCCE-44A5-BF1C-17D3E5FB22AA}" type="datetimeFigureOut">
               <a:rPr lang="zh-CN" altLang="en-US" smtClean="0"/>
               <a:t>2024/3/10</a:t>
             </a:fld>
@@ -2674,7 +2674,7 @@
           <p:cNvPr id="6" name="页脚占位符 5">
             <a:extLst>
               <a:ext uri="{FF2B5EF4-FFF2-40B4-BE49-F238E27FC236}">
-                <a16:creationId xmlns:a16="http://schemas.microsoft.com/office/drawing/2014/main" id="{2F35F773-1FF0-A196-9E39-EAFCBEB1AD7B}"/>
+                <a16:creationId xmlns:a16="http://schemas.microsoft.com/office/drawing/2014/main" id="{53DF7108-C22A-1270-E169-3AB1B3050417}"/>
               </a:ext>
             </a:extLst>
           </p:cNvPr>
@@ -2699,7 +2699,7 @@
           <p:cNvPr id="7" name="灯片编号占位符 6">
             <a:extLst>
               <a:ext uri="{FF2B5EF4-FFF2-40B4-BE49-F238E27FC236}">
-                <a16:creationId xmlns:a16="http://schemas.microsoft.com/office/drawing/2014/main" id="{5D0A533D-7487-549C-C16D-51D5C94FED8C}"/>
+                <a16:creationId xmlns:a16="http://schemas.microsoft.com/office/drawing/2014/main" id="{EDB6E3FC-AF97-325A-D812-17E2ACF09938}"/>
               </a:ext>
             </a:extLst>
           </p:cNvPr>
@@ -2715,7 +2715,7 @@
           <a:bodyPr/>
           <a:lstStyle/>
           <a:p>
-            <a:fld id="{FFF7A64F-2F6F-48A4-8E79-E934596EE776}" type="slidenum">
+            <a:fld id="{3A21D8A6-A376-45CF-96C9-5C5CC0B9AD89}" type="slidenum">
               <a:rPr lang="zh-CN" altLang="en-US" smtClean="0"/>
               <a:t>‹#›</a:t>
             </a:fld>
@@ -2726,7 +2726,7 @@
     </p:spTree>
     <p:extLst>
       <p:ext uri="{BB962C8B-B14F-4D97-AF65-F5344CB8AC3E}">
-        <p14:creationId xmlns:p14="http://schemas.microsoft.com/office/powerpoint/2010/main" val="3220430789"/>
+        <p14:creationId xmlns:p14="http://schemas.microsoft.com/office/powerpoint/2010/main" val="205873531"/>
       </p:ext>
     </p:extLst>
   </p:cSld>
@@ -2763,7 +2763,7 @@
           <p:cNvPr id="2" name="标题占位符 1">
             <a:extLst>
               <a:ext uri="{FF2B5EF4-FFF2-40B4-BE49-F238E27FC236}">
-                <a16:creationId xmlns:a16="http://schemas.microsoft.com/office/drawing/2014/main" id="{865EF697-6FDA-4870-EA90-FA871610D9E0}"/>
+                <a16:creationId xmlns:a16="http://schemas.microsoft.com/office/drawing/2014/main" id="{6CDE872D-052F-35ED-6183-807F5822C303}"/>
               </a:ext>
             </a:extLst>
           </p:cNvPr>
@@ -2801,7 +2801,7 @@
           <p:cNvPr id="3" name="文本占位符 2">
             <a:extLst>
               <a:ext uri="{FF2B5EF4-FFF2-40B4-BE49-F238E27FC236}">
-                <a16:creationId xmlns:a16="http://schemas.microsoft.com/office/drawing/2014/main" id="{08D46E9A-1A81-BB86-67E2-F457F494C181}"/>
+                <a16:creationId xmlns:a16="http://schemas.microsoft.com/office/drawing/2014/main" id="{454B2FD0-99DF-B438-C757-222A3D3F5CC5}"/>
               </a:ext>
             </a:extLst>
           </p:cNvPr>
@@ -2868,7 +2868,7 @@
           <p:cNvPr id="4" name="日期占位符 3">
             <a:extLst>
               <a:ext uri="{FF2B5EF4-FFF2-40B4-BE49-F238E27FC236}">
-                <a16:creationId xmlns:a16="http://schemas.microsoft.com/office/drawing/2014/main" id="{1E68D6C4-21D0-A144-923D-F4CC95D76E05}"/>
+                <a16:creationId xmlns:a16="http://schemas.microsoft.com/office/drawing/2014/main" id="{B3C6C25F-0850-2672-2E2C-2E6626703466}"/>
               </a:ext>
             </a:extLst>
           </p:cNvPr>
@@ -2902,7 +2902,7 @@
             </a:lvl1pPr>
           </a:lstStyle>
           <a:p>
-            <a:fld id="{4FE8D249-7D3E-4ED5-9C15-B64D6040AA4D}" type="datetimeFigureOut">
+            <a:fld id="{F7A42F9B-BCCE-44A5-BF1C-17D3E5FB22AA}" type="datetimeFigureOut">
               <a:rPr lang="zh-CN" altLang="en-US" smtClean="0"/>
               <a:t>2024/3/10</a:t>
             </a:fld>
@@ -2915,7 +2915,7 @@
           <p:cNvPr id="5" name="页脚占位符 4">
             <a:extLst>
               <a:ext uri="{FF2B5EF4-FFF2-40B4-BE49-F238E27FC236}">
-                <a16:creationId xmlns:a16="http://schemas.microsoft.com/office/drawing/2014/main" id="{07A539C4-C03D-0A5E-52DB-74FB1E22AFCA}"/>
+                <a16:creationId xmlns:a16="http://schemas.microsoft.com/office/drawing/2014/main" id="{B2BFEC73-3D47-6244-4482-33EB481093C1}"/>
               </a:ext>
             </a:extLst>
           </p:cNvPr>
@@ -2958,7 +2958,7 @@
           <p:cNvPr id="6" name="灯片编号占位符 5">
             <a:extLst>
               <a:ext uri="{FF2B5EF4-FFF2-40B4-BE49-F238E27FC236}">
-                <a16:creationId xmlns:a16="http://schemas.microsoft.com/office/drawing/2014/main" id="{19C4413F-563F-B942-43B1-4267F55F0452}"/>
+                <a16:creationId xmlns:a16="http://schemas.microsoft.com/office/drawing/2014/main" id="{97F591C6-2214-0551-2C8B-586B67BD2169}"/>
               </a:ext>
             </a:extLst>
           </p:cNvPr>
@@ -2992,7 +2992,7 @@
             </a:lvl1pPr>
           </a:lstStyle>
           <a:p>
-            <a:fld id="{FFF7A64F-2F6F-48A4-8E79-E934596EE776}" type="slidenum">
+            <a:fld id="{3A21D8A6-A376-45CF-96C9-5C5CC0B9AD89}" type="slidenum">
               <a:rPr lang="zh-CN" altLang="en-US" smtClean="0"/>
               <a:t>‹#›</a:t>
             </a:fld>
@@ -3003,7 +3003,7 @@
     </p:spTree>
     <p:extLst>
       <p:ext uri="{BB962C8B-B14F-4D97-AF65-F5344CB8AC3E}">
-        <p14:creationId xmlns:p14="http://schemas.microsoft.com/office/powerpoint/2010/main" val="117515480"/>
+        <p14:creationId xmlns:p14="http://schemas.microsoft.com/office/powerpoint/2010/main" val="952794882"/>
       </p:ext>
     </p:extLst>
   </p:cSld>
@@ -3323,7 +3323,7 @@
       </p:grpSpPr>
       <p:pic>
         <p:nvPicPr>
-          <p:cNvPr id="272386" name="Picture 2" descr="265"/>
+          <p:cNvPr id="273410" name="Picture 2" descr="266"/>
           <p:cNvPicPr>
             <a:picLocks noChangeAspect="1" noChangeArrowheads="1"/>
           </p:cNvPicPr>
